--- a/memo240228.pptx
+++ b/memo240228.pptx
@@ -11,6 +11,12 @@
     <p:sldId id="261" r:id="rId5"/>
     <p:sldId id="259" r:id="rId6"/>
     <p:sldId id="262" r:id="rId7"/>
+    <p:sldId id="263" r:id="rId8"/>
+    <p:sldId id="265" r:id="rId9"/>
+    <p:sldId id="264" r:id="rId10"/>
+    <p:sldId id="266" r:id="rId11"/>
+    <p:sldId id="267" r:id="rId12"/>
+    <p:sldId id="268" r:id="rId13"/>
   </p:sldIdLst>
   <p:sldSz cx="12192000" cy="6858000"/>
   <p:notesSz cx="6858000" cy="9144000"/>
@@ -277,7 +283,7 @@
           <a:p>
             <a:fld id="{AF578217-1813-4358-BC13-081C7D19FF39}" type="datetimeFigureOut">
               <a:rPr lang="en-US" smtClean="0"/>
-              <a:t>2/27/24</a:t>
+              <a:t>7/10/2024</a:t>
             </a:fld>
             <a:endParaRPr lang="en-US"/>
           </a:p>
@@ -509,7 +515,7 @@
           <a:p>
             <a:fld id="{AF578217-1813-4358-BC13-081C7D19FF39}" type="datetimeFigureOut">
               <a:rPr lang="en-US" smtClean="0"/>
-              <a:t>2/27/24</a:t>
+              <a:t>7/10/2024</a:t>
             </a:fld>
             <a:endParaRPr lang="en-US"/>
           </a:p>
@@ -751,7 +757,7 @@
           <a:p>
             <a:fld id="{AF578217-1813-4358-BC13-081C7D19FF39}" type="datetimeFigureOut">
               <a:rPr lang="en-US" smtClean="0"/>
-              <a:t>2/27/24</a:t>
+              <a:t>7/10/2024</a:t>
             </a:fld>
             <a:endParaRPr lang="en-US"/>
           </a:p>
@@ -983,7 +989,7 @@
           <a:p>
             <a:fld id="{AF578217-1813-4358-BC13-081C7D19FF39}" type="datetimeFigureOut">
               <a:rPr lang="en-US" smtClean="0"/>
-              <a:t>2/27/24</a:t>
+              <a:t>7/10/2024</a:t>
             </a:fld>
             <a:endParaRPr lang="en-US"/>
           </a:p>
@@ -1259,7 +1265,7 @@
           <a:p>
             <a:fld id="{AF578217-1813-4358-BC13-081C7D19FF39}" type="datetimeFigureOut">
               <a:rPr lang="en-US" smtClean="0"/>
-              <a:t>2/27/24</a:t>
+              <a:t>7/10/2024</a:t>
             </a:fld>
             <a:endParaRPr lang="en-US"/>
           </a:p>
@@ -1591,7 +1597,7 @@
           <a:p>
             <a:fld id="{AF578217-1813-4358-BC13-081C7D19FF39}" type="datetimeFigureOut">
               <a:rPr lang="en-US" smtClean="0"/>
-              <a:t>2/27/24</a:t>
+              <a:t>7/10/2024</a:t>
             </a:fld>
             <a:endParaRPr lang="en-US"/>
           </a:p>
@@ -2070,7 +2076,7 @@
           <a:p>
             <a:fld id="{AF578217-1813-4358-BC13-081C7D19FF39}" type="datetimeFigureOut">
               <a:rPr lang="en-US" smtClean="0"/>
-              <a:t>2/27/24</a:t>
+              <a:t>7/10/2024</a:t>
             </a:fld>
             <a:endParaRPr lang="en-US"/>
           </a:p>
@@ -2212,7 +2218,7 @@
           <a:p>
             <a:fld id="{AF578217-1813-4358-BC13-081C7D19FF39}" type="datetimeFigureOut">
               <a:rPr lang="en-US" smtClean="0"/>
-              <a:t>2/27/24</a:t>
+              <a:t>7/10/2024</a:t>
             </a:fld>
             <a:endParaRPr lang="en-US"/>
           </a:p>
@@ -2325,7 +2331,7 @@
           <a:p>
             <a:fld id="{AF578217-1813-4358-BC13-081C7D19FF39}" type="datetimeFigureOut">
               <a:rPr lang="en-US" smtClean="0"/>
-              <a:t>2/27/24</a:t>
+              <a:t>7/10/2024</a:t>
             </a:fld>
             <a:endParaRPr lang="en-US"/>
           </a:p>
@@ -2670,7 +2676,7 @@
           <a:p>
             <a:fld id="{AF578217-1813-4358-BC13-081C7D19FF39}" type="datetimeFigureOut">
               <a:rPr lang="en-US" smtClean="0"/>
-              <a:t>2/27/24</a:t>
+              <a:t>7/10/2024</a:t>
             </a:fld>
             <a:endParaRPr lang="en-US"/>
           </a:p>
@@ -2959,7 +2965,7 @@
           <a:p>
             <a:fld id="{AF578217-1813-4358-BC13-081C7D19FF39}" type="datetimeFigureOut">
               <a:rPr lang="en-US" smtClean="0"/>
-              <a:t>2/27/24</a:t>
+              <a:t>7/10/2024</a:t>
             </a:fld>
             <a:endParaRPr lang="en-US"/>
           </a:p>
@@ -3234,7 +3240,7 @@
           <a:p>
             <a:fld id="{AF578217-1813-4358-BC13-081C7D19FF39}" type="datetimeFigureOut">
               <a:rPr lang="en-US" smtClean="0"/>
-              <a:t>2/27/24</a:t>
+              <a:t>7/10/2024</a:t>
             </a:fld>
             <a:endParaRPr lang="en-US"/>
           </a:p>
@@ -4103,6 +4109,890 @@
 </p:sld>
 </file>
 
+<file path=ppt/slides/slide10.xml><?xml version="1.0" encoding="utf-8"?>
+<p:sld xmlns:a="http://schemas.openxmlformats.org/drawingml/2006/main" xmlns:r="http://schemas.openxmlformats.org/officeDocument/2006/relationships" xmlns:p="http://schemas.openxmlformats.org/presentationml/2006/main">
+  <p:cSld>
+    <p:spTree>
+      <p:nvGrpSpPr>
+        <p:cNvPr id="1" name=""/>
+        <p:cNvGrpSpPr/>
+        <p:nvPr/>
+      </p:nvGrpSpPr>
+      <p:grpSpPr>
+        <a:xfrm>
+          <a:off x="0" y="0"/>
+          <a:ext cx="0" cy="0"/>
+          <a:chOff x="0" y="0"/>
+          <a:chExt cx="0" cy="0"/>
+        </a:xfrm>
+      </p:grpSpPr>
+      <p:sp>
+        <p:nvSpPr>
+          <p:cNvPr id="2" name="文本框 1">
+            <a:extLst>
+              <a:ext uri="{FF2B5EF4-FFF2-40B4-BE49-F238E27FC236}">
+                <a16:creationId xmlns:a16="http://schemas.microsoft.com/office/drawing/2014/main" id="{2D44E1F9-700D-C855-4EE8-3A079121D916}"/>
+              </a:ext>
+            </a:extLst>
+          </p:cNvPr>
+          <p:cNvSpPr txBox="1"/>
+          <p:nvPr/>
+        </p:nvSpPr>
+        <p:spPr>
+          <a:xfrm>
+            <a:off x="356259" y="296884"/>
+            <a:ext cx="6733309" cy="646331"/>
+          </a:xfrm>
+          <a:prstGeom prst="rect">
+            <a:avLst/>
+          </a:prstGeom>
+          <a:noFill/>
+        </p:spPr>
+        <p:txBody>
+          <a:bodyPr wrap="square" rtlCol="0">
+            <a:spAutoFit/>
+          </a:bodyPr>
+          <a:lstStyle/>
+          <a:p>
+            <a:r>
+              <a:rPr lang="zh-CN" altLang="en-US" dirty="0"/>
+              <a:t>由于</a:t>
+            </a:r>
+            <a:r>
+              <a:rPr lang="en-US" altLang="zh-CN" dirty="0" err="1"/>
+              <a:t>aneurisk</a:t>
+            </a:r>
+            <a:r>
+              <a:rPr lang="zh-CN" altLang="en-US" dirty="0"/>
+              <a:t>，减掉一段</a:t>
+            </a:r>
+            <a:r>
+              <a:rPr lang="en-US" altLang="zh-CN" dirty="0"/>
+              <a:t>proximal</a:t>
+            </a:r>
+            <a:r>
+              <a:rPr lang="zh-CN" altLang="en-US" dirty="0"/>
+              <a:t>方向，只留了</a:t>
+            </a:r>
+            <a:r>
+              <a:rPr lang="en-US" altLang="zh-CN" dirty="0"/>
+              <a:t>100/120</a:t>
+            </a:r>
+            <a:r>
+              <a:rPr lang="zh-CN" altLang="en-US" dirty="0"/>
+              <a:t>点</a:t>
+            </a:r>
+            <a:endParaRPr lang="en-US" altLang="zh-CN" dirty="0"/>
+          </a:p>
+          <a:p>
+            <a:r>
+              <a:rPr lang="zh-CN" altLang="en-US" dirty="0"/>
+              <a:t>然后重参数化成</a:t>
+            </a:r>
+            <a:r>
+              <a:rPr lang="en-US" altLang="zh-CN" dirty="0"/>
+              <a:t>120</a:t>
+            </a:r>
+            <a:r>
+              <a:rPr lang="zh-CN" altLang="en-US" dirty="0"/>
+              <a:t>点和</a:t>
+            </a:r>
+            <a:r>
+              <a:rPr lang="en-US" altLang="zh-CN" dirty="0" err="1"/>
+              <a:t>brava_FrechetMean</a:t>
+            </a:r>
+            <a:r>
+              <a:rPr lang="zh-CN" altLang="en-US" dirty="0"/>
+              <a:t> （红色）对齐</a:t>
+            </a:r>
+            <a:endParaRPr lang="en-US" altLang="zh-CN" dirty="0"/>
+          </a:p>
+        </p:txBody>
+      </p:sp>
+      <p:pic>
+        <p:nvPicPr>
+          <p:cNvPr id="4" name="图片 3">
+            <a:extLst>
+              <a:ext uri="{FF2B5EF4-FFF2-40B4-BE49-F238E27FC236}">
+                <a16:creationId xmlns:a16="http://schemas.microsoft.com/office/drawing/2014/main" id="{209BEB70-B712-C95F-C60A-F3C3DDC81004}"/>
+              </a:ext>
+            </a:extLst>
+          </p:cNvPr>
+          <p:cNvPicPr>
+            <a:picLocks noChangeAspect="1"/>
+          </p:cNvPicPr>
+          <p:nvPr/>
+        </p:nvPicPr>
+        <p:blipFill>
+          <a:blip r:embed="rId2"/>
+          <a:stretch>
+            <a:fillRect/>
+          </a:stretch>
+        </p:blipFill>
+        <p:spPr>
+          <a:xfrm>
+            <a:off x="356259" y="1134416"/>
+            <a:ext cx="4114800" cy="5324475"/>
+          </a:xfrm>
+          <a:prstGeom prst="rect">
+            <a:avLst/>
+          </a:prstGeom>
+        </p:spPr>
+      </p:pic>
+      <p:sp>
+        <p:nvSpPr>
+          <p:cNvPr id="5" name="文本框 4">
+            <a:extLst>
+              <a:ext uri="{FF2B5EF4-FFF2-40B4-BE49-F238E27FC236}">
+                <a16:creationId xmlns:a16="http://schemas.microsoft.com/office/drawing/2014/main" id="{2CD8165E-5252-5DDD-62A4-50A33AA3B8B3}"/>
+              </a:ext>
+            </a:extLst>
+          </p:cNvPr>
+          <p:cNvSpPr txBox="1"/>
+          <p:nvPr/>
+        </p:nvSpPr>
+        <p:spPr>
+          <a:xfrm>
+            <a:off x="2881737" y="5902556"/>
+            <a:ext cx="2806539" cy="954107"/>
+          </a:xfrm>
+          <a:prstGeom prst="rect">
+            <a:avLst/>
+          </a:prstGeom>
+          <a:noFill/>
+        </p:spPr>
+        <p:txBody>
+          <a:bodyPr wrap="square" rtlCol="0">
+            <a:spAutoFit/>
+          </a:bodyPr>
+          <a:lstStyle/>
+          <a:p>
+            <a:r>
+              <a:rPr lang="zh-CN" altLang="en-US" sz="1400" dirty="0">
+                <a:highlight>
+                  <a:srgbClr val="FFFF00"/>
+                </a:highlight>
+              </a:rPr>
+              <a:t>但是</a:t>
+            </a:r>
+            <a:r>
+              <a:rPr lang="en-US" altLang="zh-CN" sz="1400" dirty="0" err="1">
+                <a:highlight>
+                  <a:srgbClr val="FFFF00"/>
+                </a:highlight>
+              </a:rPr>
+              <a:t>aneurisk</a:t>
+            </a:r>
+            <a:r>
+              <a:rPr lang="zh-CN" altLang="en-US" sz="1400" dirty="0">
+                <a:highlight>
+                  <a:srgbClr val="FFFF00"/>
+                </a:highlight>
+              </a:rPr>
+              <a:t>的长短感觉还是需要魔法一下？人工智能修剪一下呢？而且现在的</a:t>
+            </a:r>
+            <a:r>
+              <a:rPr lang="en-US" altLang="zh-CN" sz="1400" dirty="0" err="1">
+                <a:highlight>
+                  <a:srgbClr val="FFFF00"/>
+                </a:highlight>
+              </a:rPr>
+              <a:t>aneurisk</a:t>
+            </a:r>
+            <a:r>
+              <a:rPr lang="zh-CN" altLang="en-US" sz="1400" dirty="0">
+                <a:highlight>
+                  <a:srgbClr val="FFFF00"/>
+                </a:highlight>
+              </a:rPr>
+              <a:t>文件里面好像还是有刺客（</a:t>
+            </a:r>
+          </a:p>
+        </p:txBody>
+      </p:sp>
+      <p:pic>
+        <p:nvPicPr>
+          <p:cNvPr id="7" name="图片 6">
+            <a:extLst>
+              <a:ext uri="{FF2B5EF4-FFF2-40B4-BE49-F238E27FC236}">
+                <a16:creationId xmlns:a16="http://schemas.microsoft.com/office/drawing/2014/main" id="{8B0FED09-03B0-17FF-93FF-67C09AAC19C1}"/>
+              </a:ext>
+            </a:extLst>
+          </p:cNvPr>
+          <p:cNvPicPr>
+            <a:picLocks noChangeAspect="1"/>
+          </p:cNvPicPr>
+          <p:nvPr/>
+        </p:nvPicPr>
+        <p:blipFill>
+          <a:blip r:embed="rId3"/>
+          <a:stretch>
+            <a:fillRect/>
+          </a:stretch>
+        </p:blipFill>
+        <p:spPr>
+          <a:xfrm>
+            <a:off x="5688276" y="2364186"/>
+            <a:ext cx="6206417" cy="4271835"/>
+          </a:xfrm>
+          <a:prstGeom prst="rect">
+            <a:avLst/>
+          </a:prstGeom>
+        </p:spPr>
+      </p:pic>
+      <p:sp>
+        <p:nvSpPr>
+          <p:cNvPr id="8" name="文本框 7">
+            <a:extLst>
+              <a:ext uri="{FF2B5EF4-FFF2-40B4-BE49-F238E27FC236}">
+                <a16:creationId xmlns:a16="http://schemas.microsoft.com/office/drawing/2014/main" id="{09C99666-3469-3052-E168-8F2B36972993}"/>
+              </a:ext>
+            </a:extLst>
+          </p:cNvPr>
+          <p:cNvSpPr txBox="1"/>
+          <p:nvPr/>
+        </p:nvSpPr>
+        <p:spPr>
+          <a:xfrm>
+            <a:off x="5836724" y="943215"/>
+            <a:ext cx="6733309" cy="1200329"/>
+          </a:xfrm>
+          <a:prstGeom prst="rect">
+            <a:avLst/>
+          </a:prstGeom>
+          <a:noFill/>
+        </p:spPr>
+        <p:txBody>
+          <a:bodyPr wrap="square" rtlCol="0">
+            <a:spAutoFit/>
+          </a:bodyPr>
+          <a:lstStyle/>
+          <a:p>
+            <a:r>
+              <a:rPr lang="zh-CN" altLang="en-US" dirty="0"/>
+              <a:t>全家福</a:t>
+            </a:r>
+            <a:endParaRPr lang="en-US" altLang="zh-CN" dirty="0"/>
+          </a:p>
+          <a:p>
+            <a:r>
+              <a:rPr lang="zh-CN" altLang="en-US" dirty="0"/>
+              <a:t>绿色</a:t>
+            </a:r>
+            <a:r>
+              <a:rPr lang="en-US" altLang="zh-CN" dirty="0"/>
+              <a:t>:</a:t>
+            </a:r>
+            <a:r>
+              <a:rPr lang="zh-CN" altLang="en-US" dirty="0"/>
+              <a:t>之前的</a:t>
+            </a:r>
+            <a:r>
+              <a:rPr lang="en-US" altLang="zh-CN" dirty="0"/>
+              <a:t>Brava</a:t>
+            </a:r>
+            <a:r>
+              <a:rPr lang="zh-CN" altLang="en-US" dirty="0"/>
+              <a:t>对齐结果</a:t>
+            </a:r>
+            <a:r>
+              <a:rPr lang="en-US" altLang="zh-CN" dirty="0"/>
+              <a:t>( </a:t>
+            </a:r>
+            <a:r>
+              <a:rPr lang="en-US" altLang="zh-CN" dirty="0" err="1"/>
+              <a:t>geomstats_aligned_to_frechet.npy</a:t>
+            </a:r>
+            <a:r>
+              <a:rPr lang="en-US" altLang="zh-CN" dirty="0"/>
+              <a:t>)</a:t>
+            </a:r>
+          </a:p>
+          <a:p>
+            <a:r>
+              <a:rPr lang="zh-CN" altLang="en-US" dirty="0"/>
+              <a:t>白色：</a:t>
+            </a:r>
+            <a:r>
+              <a:rPr lang="en-US" altLang="zh-CN" dirty="0"/>
+              <a:t>aneurysm</a:t>
+            </a:r>
+          </a:p>
+          <a:p>
+            <a:r>
+              <a:rPr lang="zh-CN" altLang="en-US" dirty="0"/>
+              <a:t>红色：</a:t>
+            </a:r>
+            <a:r>
+              <a:rPr lang="en-US" altLang="zh-CN" dirty="0"/>
+              <a:t> </a:t>
+            </a:r>
+            <a:r>
+              <a:rPr lang="en-US" altLang="zh-CN" dirty="0" err="1"/>
+              <a:t>brava_FrechetMean</a:t>
+            </a:r>
+            <a:r>
+              <a:rPr lang="zh-CN" altLang="en-US" dirty="0"/>
+              <a:t> </a:t>
+            </a:r>
+          </a:p>
+        </p:txBody>
+      </p:sp>
+    </p:spTree>
+    <p:extLst>
+      <p:ext uri="{BB962C8B-B14F-4D97-AF65-F5344CB8AC3E}">
+        <p14:creationId xmlns:p14="http://schemas.microsoft.com/office/powerpoint/2010/main" val="2309401746"/>
+      </p:ext>
+    </p:extLst>
+  </p:cSld>
+  <p:clrMapOvr>
+    <a:masterClrMapping/>
+  </p:clrMapOvr>
+</p:sld>
+</file>
+
+<file path=ppt/slides/slide11.xml><?xml version="1.0" encoding="utf-8"?>
+<p:sld xmlns:a="http://schemas.openxmlformats.org/drawingml/2006/main" xmlns:r="http://schemas.openxmlformats.org/officeDocument/2006/relationships" xmlns:p="http://schemas.openxmlformats.org/presentationml/2006/main">
+  <p:cSld>
+    <p:spTree>
+      <p:nvGrpSpPr>
+        <p:cNvPr id="1" name=""/>
+        <p:cNvGrpSpPr/>
+        <p:nvPr/>
+      </p:nvGrpSpPr>
+      <p:grpSpPr>
+        <a:xfrm>
+          <a:off x="0" y="0"/>
+          <a:ext cx="0" cy="0"/>
+          <a:chOff x="0" y="0"/>
+          <a:chExt cx="0" cy="0"/>
+        </a:xfrm>
+      </p:grpSpPr>
+      <p:sp>
+        <p:nvSpPr>
+          <p:cNvPr id="2" name="文本框 1">
+            <a:extLst>
+              <a:ext uri="{FF2B5EF4-FFF2-40B4-BE49-F238E27FC236}">
+                <a16:creationId xmlns:a16="http://schemas.microsoft.com/office/drawing/2014/main" id="{F5E358CF-B32B-5A22-7BCB-CBFE122999FB}"/>
+              </a:ext>
+            </a:extLst>
+          </p:cNvPr>
+          <p:cNvSpPr txBox="1"/>
+          <p:nvPr/>
+        </p:nvSpPr>
+        <p:spPr>
+          <a:xfrm>
+            <a:off x="356260" y="190005"/>
+            <a:ext cx="5070764" cy="2308324"/>
+          </a:xfrm>
+          <a:prstGeom prst="rect">
+            <a:avLst/>
+          </a:prstGeom>
+          <a:noFill/>
+        </p:spPr>
+        <p:txBody>
+          <a:bodyPr wrap="square" rtlCol="0">
+            <a:spAutoFit/>
+          </a:bodyPr>
+          <a:lstStyle/>
+          <a:p>
+            <a:r>
+              <a:rPr lang="zh-CN" altLang="en-US" dirty="0"/>
+              <a:t>接上面一页</a:t>
+            </a:r>
+            <a:endParaRPr lang="en-US" altLang="zh-CN" dirty="0"/>
+          </a:p>
+          <a:p>
+            <a:r>
+              <a:rPr lang="zh-CN" altLang="en-US" dirty="0"/>
+              <a:t>当前</a:t>
+            </a:r>
+            <a:r>
+              <a:rPr lang="en-US" altLang="zh-CN" dirty="0" err="1"/>
+              <a:t>Aneurisk</a:t>
+            </a:r>
+            <a:r>
+              <a:rPr lang="zh-CN" altLang="en-US" dirty="0"/>
+              <a:t>数据集的，</a:t>
+            </a:r>
+            <a:endParaRPr lang="en-US" altLang="zh-CN" dirty="0"/>
+          </a:p>
+          <a:p>
+            <a:r>
+              <a:rPr lang="en-US" altLang="zh-CN" dirty="0"/>
+              <a:t>Curve_10.vtk </a:t>
+            </a:r>
+            <a:r>
+              <a:rPr lang="zh-CN" altLang="en-US" dirty="0"/>
+              <a:t>本身在</a:t>
+            </a:r>
+            <a:r>
+              <a:rPr lang="en-US" altLang="zh-CN" dirty="0"/>
+              <a:t>cut</a:t>
+            </a:r>
+            <a:r>
+              <a:rPr lang="zh-CN" altLang="en-US" dirty="0"/>
+              <a:t>之后的长度和</a:t>
+            </a:r>
+            <a:r>
+              <a:rPr lang="en-US" altLang="zh-CN" dirty="0"/>
+              <a:t>Brava</a:t>
+            </a:r>
+            <a:r>
+              <a:rPr lang="zh-CN" altLang="en-US" dirty="0"/>
+              <a:t>差不多，</a:t>
+            </a:r>
+            <a:endParaRPr lang="en-US" altLang="zh-CN" dirty="0"/>
+          </a:p>
+          <a:p>
+            <a:r>
+              <a:rPr lang="zh-CN" altLang="en-US" dirty="0"/>
+              <a:t>对齐效果很不错（</a:t>
+            </a:r>
+            <a:r>
+              <a:rPr lang="en-US" altLang="zh-CN" dirty="0"/>
+              <a:t>siphon </a:t>
+            </a:r>
+            <a:r>
+              <a:rPr lang="zh-CN" altLang="en-US" dirty="0"/>
+              <a:t>的那个平面扭过来了）</a:t>
+            </a:r>
+            <a:endParaRPr lang="en-US" altLang="zh-CN" dirty="0"/>
+          </a:p>
+          <a:p>
+            <a:endParaRPr lang="en-US" altLang="zh-CN" dirty="0"/>
+          </a:p>
+          <a:p>
+            <a:r>
+              <a:rPr lang="zh-CN" altLang="en-US" dirty="0"/>
+              <a:t>红：</a:t>
+            </a:r>
+            <a:r>
+              <a:rPr lang="en-US" altLang="zh-CN" dirty="0"/>
+              <a:t>brava </a:t>
+            </a:r>
+            <a:r>
+              <a:rPr lang="en-US" altLang="zh-CN" dirty="0" err="1"/>
+              <a:t>frechet</a:t>
+            </a:r>
+            <a:endParaRPr lang="en-US" altLang="zh-CN" dirty="0"/>
+          </a:p>
+          <a:p>
+            <a:r>
+              <a:rPr lang="zh-CN" altLang="en-US" dirty="0"/>
+              <a:t>白：原始状态</a:t>
+            </a:r>
+            <a:endParaRPr lang="en-US" altLang="zh-CN" dirty="0"/>
+          </a:p>
+          <a:p>
+            <a:r>
+              <a:rPr lang="zh-CN" altLang="en-US" dirty="0"/>
+              <a:t>绿：对齐后</a:t>
+            </a:r>
+          </a:p>
+        </p:txBody>
+      </p:sp>
+      <p:pic>
+        <p:nvPicPr>
+          <p:cNvPr id="4" name="图片 3">
+            <a:extLst>
+              <a:ext uri="{FF2B5EF4-FFF2-40B4-BE49-F238E27FC236}">
+                <a16:creationId xmlns:a16="http://schemas.microsoft.com/office/drawing/2014/main" id="{043ADDE6-0827-1A65-0D5A-37E01AF3E632}"/>
+              </a:ext>
+            </a:extLst>
+          </p:cNvPr>
+          <p:cNvPicPr>
+            <a:picLocks noChangeAspect="1"/>
+          </p:cNvPicPr>
+          <p:nvPr/>
+        </p:nvPicPr>
+        <p:blipFill>
+          <a:blip r:embed="rId2"/>
+          <a:stretch>
+            <a:fillRect/>
+          </a:stretch>
+        </p:blipFill>
+        <p:spPr>
+          <a:xfrm>
+            <a:off x="201879" y="2568967"/>
+            <a:ext cx="1739660" cy="4099028"/>
+          </a:xfrm>
+          <a:prstGeom prst="rect">
+            <a:avLst/>
+          </a:prstGeom>
+        </p:spPr>
+      </p:pic>
+      <p:pic>
+        <p:nvPicPr>
+          <p:cNvPr id="6" name="图片 5">
+            <a:extLst>
+              <a:ext uri="{FF2B5EF4-FFF2-40B4-BE49-F238E27FC236}">
+                <a16:creationId xmlns:a16="http://schemas.microsoft.com/office/drawing/2014/main" id="{8BACD4CF-A1FB-A7EA-D9FF-24E4CFAD061A}"/>
+              </a:ext>
+            </a:extLst>
+          </p:cNvPr>
+          <p:cNvPicPr>
+            <a:picLocks noChangeAspect="1"/>
+          </p:cNvPicPr>
+          <p:nvPr/>
+        </p:nvPicPr>
+        <p:blipFill>
+          <a:blip r:embed="rId3"/>
+          <a:stretch>
+            <a:fillRect/>
+          </a:stretch>
+        </p:blipFill>
+        <p:spPr>
+          <a:xfrm>
+            <a:off x="2394222" y="1606947"/>
+            <a:ext cx="2276475" cy="2752725"/>
+          </a:xfrm>
+          <a:prstGeom prst="rect">
+            <a:avLst/>
+          </a:prstGeom>
+        </p:spPr>
+      </p:pic>
+      <p:pic>
+        <p:nvPicPr>
+          <p:cNvPr id="8" name="图片 7">
+            <a:extLst>
+              <a:ext uri="{FF2B5EF4-FFF2-40B4-BE49-F238E27FC236}">
+                <a16:creationId xmlns:a16="http://schemas.microsoft.com/office/drawing/2014/main" id="{39869B06-A4EC-56A0-11E9-6B8F46730685}"/>
+              </a:ext>
+            </a:extLst>
+          </p:cNvPr>
+          <p:cNvPicPr>
+            <a:picLocks noChangeAspect="1"/>
+          </p:cNvPicPr>
+          <p:nvPr/>
+        </p:nvPicPr>
+        <p:blipFill>
+          <a:blip r:embed="rId4"/>
+          <a:stretch>
+            <a:fillRect/>
+          </a:stretch>
+        </p:blipFill>
+        <p:spPr>
+          <a:xfrm>
+            <a:off x="2394222" y="3915271"/>
+            <a:ext cx="2242195" cy="2903517"/>
+          </a:xfrm>
+          <a:prstGeom prst="rect">
+            <a:avLst/>
+          </a:prstGeom>
+        </p:spPr>
+      </p:pic>
+      <p:sp>
+        <p:nvSpPr>
+          <p:cNvPr id="11" name="文本框 10">
+            <a:extLst>
+              <a:ext uri="{FF2B5EF4-FFF2-40B4-BE49-F238E27FC236}">
+                <a16:creationId xmlns:a16="http://schemas.microsoft.com/office/drawing/2014/main" id="{5E8029EB-140E-7F53-B55F-F3C8450F81A6}"/>
+              </a:ext>
+            </a:extLst>
+          </p:cNvPr>
+          <p:cNvSpPr txBox="1"/>
+          <p:nvPr/>
+        </p:nvSpPr>
+        <p:spPr>
+          <a:xfrm>
+            <a:off x="7720690" y="998497"/>
+            <a:ext cx="1911928" cy="646331"/>
+          </a:xfrm>
+          <a:prstGeom prst="rect">
+            <a:avLst/>
+          </a:prstGeom>
+          <a:noFill/>
+        </p:spPr>
+        <p:txBody>
+          <a:bodyPr wrap="square" rtlCol="0">
+            <a:spAutoFit/>
+          </a:bodyPr>
+          <a:lstStyle/>
+          <a:p>
+            <a:r>
+              <a:rPr lang="en-US" altLang="zh-CN" dirty="0"/>
+              <a:t>curve_36.vtk</a:t>
+            </a:r>
+            <a:r>
+              <a:rPr lang="zh-CN" altLang="en-US" dirty="0"/>
+              <a:t>这个也还行</a:t>
+            </a:r>
+          </a:p>
+        </p:txBody>
+      </p:sp>
+      <p:pic>
+        <p:nvPicPr>
+          <p:cNvPr id="15" name="图片 14">
+            <a:extLst>
+              <a:ext uri="{FF2B5EF4-FFF2-40B4-BE49-F238E27FC236}">
+                <a16:creationId xmlns:a16="http://schemas.microsoft.com/office/drawing/2014/main" id="{73263283-D87A-0D65-D429-253834B89433}"/>
+              </a:ext>
+            </a:extLst>
+          </p:cNvPr>
+          <p:cNvPicPr>
+            <a:picLocks noChangeAspect="1"/>
+          </p:cNvPicPr>
+          <p:nvPr/>
+        </p:nvPicPr>
+        <p:blipFill>
+          <a:blip r:embed="rId5"/>
+          <a:stretch>
+            <a:fillRect/>
+          </a:stretch>
+        </p:blipFill>
+        <p:spPr>
+          <a:xfrm>
+            <a:off x="6512607" y="1769057"/>
+            <a:ext cx="3095625" cy="4562475"/>
+          </a:xfrm>
+          <a:prstGeom prst="rect">
+            <a:avLst/>
+          </a:prstGeom>
+        </p:spPr>
+      </p:pic>
+      <p:pic>
+        <p:nvPicPr>
+          <p:cNvPr id="17" name="图片 16">
+            <a:extLst>
+              <a:ext uri="{FF2B5EF4-FFF2-40B4-BE49-F238E27FC236}">
+                <a16:creationId xmlns:a16="http://schemas.microsoft.com/office/drawing/2014/main" id="{725901B8-13B0-0813-A730-CB1689F0FDAE}"/>
+              </a:ext>
+            </a:extLst>
+          </p:cNvPr>
+          <p:cNvPicPr>
+            <a:picLocks noChangeAspect="1"/>
+          </p:cNvPicPr>
+          <p:nvPr/>
+        </p:nvPicPr>
+        <p:blipFill>
+          <a:blip r:embed="rId6"/>
+          <a:stretch>
+            <a:fillRect/>
+          </a:stretch>
+        </p:blipFill>
+        <p:spPr>
+          <a:xfrm>
+            <a:off x="9344025" y="1971675"/>
+            <a:ext cx="2847975" cy="2914650"/>
+          </a:xfrm>
+          <a:prstGeom prst="rect">
+            <a:avLst/>
+          </a:prstGeom>
+        </p:spPr>
+      </p:pic>
+    </p:spTree>
+    <p:extLst>
+      <p:ext uri="{BB962C8B-B14F-4D97-AF65-F5344CB8AC3E}">
+        <p14:creationId xmlns:p14="http://schemas.microsoft.com/office/powerpoint/2010/main" val="416099126"/>
+      </p:ext>
+    </p:extLst>
+  </p:cSld>
+  <p:clrMapOvr>
+    <a:masterClrMapping/>
+  </p:clrMapOvr>
+</p:sld>
+</file>
+
+<file path=ppt/slides/slide12.xml><?xml version="1.0" encoding="utf-8"?>
+<p:sld xmlns:a="http://schemas.openxmlformats.org/drawingml/2006/main" xmlns:r="http://schemas.openxmlformats.org/officeDocument/2006/relationships" xmlns:p="http://schemas.openxmlformats.org/presentationml/2006/main">
+  <p:cSld>
+    <p:spTree>
+      <p:nvGrpSpPr>
+        <p:cNvPr id="1" name=""/>
+        <p:cNvGrpSpPr/>
+        <p:nvPr/>
+      </p:nvGrpSpPr>
+      <p:grpSpPr>
+        <a:xfrm>
+          <a:off x="0" y="0"/>
+          <a:ext cx="0" cy="0"/>
+          <a:chOff x="0" y="0"/>
+          <a:chExt cx="0" cy="0"/>
+        </a:xfrm>
+      </p:grpSpPr>
+      <p:pic>
+        <p:nvPicPr>
+          <p:cNvPr id="3" name="图片 2">
+            <a:extLst>
+              <a:ext uri="{FF2B5EF4-FFF2-40B4-BE49-F238E27FC236}">
+                <a16:creationId xmlns:a16="http://schemas.microsoft.com/office/drawing/2014/main" id="{15780772-FEE6-0578-9858-02336E991475}"/>
+              </a:ext>
+            </a:extLst>
+          </p:cNvPr>
+          <p:cNvPicPr>
+            <a:picLocks noChangeAspect="1"/>
+          </p:cNvPicPr>
+          <p:nvPr/>
+        </p:nvPicPr>
+        <p:blipFill>
+          <a:blip r:embed="rId2"/>
+          <a:stretch>
+            <a:fillRect/>
+          </a:stretch>
+        </p:blipFill>
+        <p:spPr>
+          <a:xfrm>
+            <a:off x="609167" y="1272577"/>
+            <a:ext cx="2162175" cy="5381625"/>
+          </a:xfrm>
+          <a:prstGeom prst="rect">
+            <a:avLst/>
+          </a:prstGeom>
+        </p:spPr>
+      </p:pic>
+      <p:sp>
+        <p:nvSpPr>
+          <p:cNvPr id="4" name="文本框 3">
+            <a:extLst>
+              <a:ext uri="{FF2B5EF4-FFF2-40B4-BE49-F238E27FC236}">
+                <a16:creationId xmlns:a16="http://schemas.microsoft.com/office/drawing/2014/main" id="{CB885357-FEB2-56CF-C2AA-6FC9F3672D22}"/>
+              </a:ext>
+            </a:extLst>
+          </p:cNvPr>
+          <p:cNvSpPr txBox="1"/>
+          <p:nvPr/>
+        </p:nvSpPr>
+        <p:spPr>
+          <a:xfrm>
+            <a:off x="486887" y="451262"/>
+            <a:ext cx="5332021" cy="646331"/>
+          </a:xfrm>
+          <a:prstGeom prst="rect">
+            <a:avLst/>
+          </a:prstGeom>
+          <a:noFill/>
+        </p:spPr>
+        <p:txBody>
+          <a:bodyPr wrap="square" rtlCol="0">
+            <a:spAutoFit/>
+          </a:bodyPr>
+          <a:lstStyle/>
+          <a:p>
+            <a:r>
+              <a:rPr lang="zh-CN" altLang="en-US" dirty="0"/>
+              <a:t>还有</a:t>
+            </a:r>
+            <a:r>
+              <a:rPr lang="en-US" altLang="zh-CN" dirty="0"/>
+              <a:t>curve16 </a:t>
+            </a:r>
+            <a:r>
+              <a:rPr lang="zh-CN" altLang="en-US" dirty="0"/>
+              <a:t>这样的下面对齐的不错，但是由于</a:t>
+            </a:r>
+            <a:r>
+              <a:rPr lang="en-US" altLang="zh-CN" dirty="0" err="1"/>
+              <a:t>aneurisk</a:t>
+            </a:r>
+            <a:r>
+              <a:rPr lang="zh-CN" altLang="en-US" dirty="0"/>
+              <a:t>上面的太长了，导致</a:t>
+            </a:r>
+            <a:r>
+              <a:rPr lang="en-US" altLang="zh-CN" dirty="0"/>
+              <a:t>ICA siphon</a:t>
+            </a:r>
+            <a:r>
+              <a:rPr lang="zh-CN" altLang="en-US" dirty="0"/>
+              <a:t>错位的</a:t>
+            </a:r>
+          </a:p>
+        </p:txBody>
+      </p:sp>
+      <p:pic>
+        <p:nvPicPr>
+          <p:cNvPr id="6" name="图片 5">
+            <a:extLst>
+              <a:ext uri="{FF2B5EF4-FFF2-40B4-BE49-F238E27FC236}">
+                <a16:creationId xmlns:a16="http://schemas.microsoft.com/office/drawing/2014/main" id="{B8609E38-1FCF-83BF-4233-89D1BDB9292F}"/>
+              </a:ext>
+            </a:extLst>
+          </p:cNvPr>
+          <p:cNvPicPr>
+            <a:picLocks noChangeAspect="1"/>
+          </p:cNvPicPr>
+          <p:nvPr/>
+        </p:nvPicPr>
+        <p:blipFill>
+          <a:blip r:embed="rId3"/>
+          <a:stretch>
+            <a:fillRect/>
+          </a:stretch>
+        </p:blipFill>
+        <p:spPr>
+          <a:xfrm>
+            <a:off x="8467848" y="1907783"/>
+            <a:ext cx="2476500" cy="4743450"/>
+          </a:xfrm>
+          <a:prstGeom prst="rect">
+            <a:avLst/>
+          </a:prstGeom>
+        </p:spPr>
+      </p:pic>
+      <p:sp>
+        <p:nvSpPr>
+          <p:cNvPr id="7" name="文本框 6">
+            <a:extLst>
+              <a:ext uri="{FF2B5EF4-FFF2-40B4-BE49-F238E27FC236}">
+                <a16:creationId xmlns:a16="http://schemas.microsoft.com/office/drawing/2014/main" id="{0E87FD9F-F7BA-D161-A9D1-7535B5E8A2AE}"/>
+              </a:ext>
+            </a:extLst>
+          </p:cNvPr>
+          <p:cNvSpPr txBox="1"/>
+          <p:nvPr/>
+        </p:nvSpPr>
+        <p:spPr>
+          <a:xfrm>
+            <a:off x="7040087" y="626246"/>
+            <a:ext cx="5332021" cy="646331"/>
+          </a:xfrm>
+          <a:prstGeom prst="rect">
+            <a:avLst/>
+          </a:prstGeom>
+          <a:noFill/>
+        </p:spPr>
+        <p:txBody>
+          <a:bodyPr wrap="square" rtlCol="0">
+            <a:spAutoFit/>
+          </a:bodyPr>
+          <a:lstStyle/>
+          <a:p>
+            <a:r>
+              <a:rPr lang="zh-CN" altLang="en-US" dirty="0"/>
+              <a:t>还有</a:t>
+            </a:r>
+            <a:r>
+              <a:rPr lang="en-US" altLang="zh-CN" dirty="0"/>
+              <a:t>curve20 </a:t>
+            </a:r>
+            <a:r>
+              <a:rPr lang="zh-CN" altLang="en-US" dirty="0"/>
+              <a:t>这样的应该是镜像没镜像好</a:t>
+            </a:r>
+            <a:endParaRPr lang="en-US" altLang="zh-CN" dirty="0"/>
+          </a:p>
+          <a:p>
+            <a:r>
+              <a:rPr lang="zh-CN" altLang="en-US" dirty="0"/>
+              <a:t>如果能镜像一下效果应该会不错</a:t>
+            </a:r>
+          </a:p>
+        </p:txBody>
+      </p:sp>
+    </p:spTree>
+    <p:extLst>
+      <p:ext uri="{BB962C8B-B14F-4D97-AF65-F5344CB8AC3E}">
+        <p14:creationId xmlns:p14="http://schemas.microsoft.com/office/powerpoint/2010/main" val="3751182686"/>
+      </p:ext>
+    </p:extLst>
+  </p:cSld>
+  <p:clrMapOvr>
+    <a:masterClrMapping/>
+  </p:clrMapOvr>
+</p:sld>
+</file>
+
 <file path=ppt/slides/slide2.xml><?xml version="1.0" encoding="utf-8"?>
 <p:sld xmlns:a="http://schemas.openxmlformats.org/drawingml/2006/main" xmlns:r="http://schemas.openxmlformats.org/officeDocument/2006/relationships" xmlns:p="http://schemas.openxmlformats.org/presentationml/2006/main">
   <p:cSld>
@@ -6318,6 +7208,830 @@
     <p:extLst>
       <p:ext uri="{BB962C8B-B14F-4D97-AF65-F5344CB8AC3E}">
         <p14:creationId xmlns:p14="http://schemas.microsoft.com/office/powerpoint/2010/main" val="1296736946"/>
+      </p:ext>
+    </p:extLst>
+  </p:cSld>
+  <p:clrMapOvr>
+    <a:masterClrMapping/>
+  </p:clrMapOvr>
+</p:sld>
+</file>
+
+<file path=ppt/slides/slide7.xml><?xml version="1.0" encoding="utf-8"?>
+<p:sld xmlns:a="http://schemas.openxmlformats.org/drawingml/2006/main" xmlns:r="http://schemas.openxmlformats.org/officeDocument/2006/relationships" xmlns:p="http://schemas.openxmlformats.org/presentationml/2006/main">
+  <p:cSld>
+    <p:spTree>
+      <p:nvGrpSpPr>
+        <p:cNvPr id="1" name=""/>
+        <p:cNvGrpSpPr/>
+        <p:nvPr/>
+      </p:nvGrpSpPr>
+      <p:grpSpPr>
+        <a:xfrm>
+          <a:off x="0" y="0"/>
+          <a:ext cx="0" cy="0"/>
+          <a:chOff x="0" y="0"/>
+          <a:chExt cx="0" cy="0"/>
+        </a:xfrm>
+      </p:grpSpPr>
+      <p:sp>
+        <p:nvSpPr>
+          <p:cNvPr id="2" name="TextBox 2">
+            <a:extLst>
+              <a:ext uri="{FF2B5EF4-FFF2-40B4-BE49-F238E27FC236}">
+                <a16:creationId xmlns:a16="http://schemas.microsoft.com/office/drawing/2014/main" id="{C1EE40BD-9FEB-6DE4-AE11-CEED70B9F06C}"/>
+              </a:ext>
+            </a:extLst>
+          </p:cNvPr>
+          <p:cNvSpPr txBox="1"/>
+          <p:nvPr/>
+        </p:nvSpPr>
+        <p:spPr>
+          <a:xfrm>
+            <a:off x="561109" y="415636"/>
+            <a:ext cx="2149948" cy="369332"/>
+          </a:xfrm>
+          <a:prstGeom prst="rect">
+            <a:avLst/>
+          </a:prstGeom>
+          <a:noFill/>
+        </p:spPr>
+        <p:txBody>
+          <a:bodyPr wrap="none" rtlCol="0">
+            <a:spAutoFit/>
+          </a:bodyPr>
+          <a:lstStyle/>
+          <a:p>
+            <a:r>
+              <a:rPr lang="en-JP" b="1" dirty="0"/>
+              <a:t>目前进度</a:t>
+            </a:r>
+            <a:r>
+              <a:rPr lang="zh-CN" altLang="en-US" b="1" dirty="0"/>
+              <a:t> </a:t>
+            </a:r>
+            <a:r>
+              <a:rPr lang="en-US" altLang="zh-CN" b="1" dirty="0"/>
+              <a:t>20240709</a:t>
+            </a:r>
+            <a:r>
+              <a:rPr lang="zh-CN" altLang="en-US" b="1" dirty="0"/>
+              <a:t> </a:t>
+            </a:r>
+            <a:endParaRPr lang="en-US" altLang="zh-CN" b="1" dirty="0"/>
+          </a:p>
+        </p:txBody>
+      </p:sp>
+      <p:pic>
+        <p:nvPicPr>
+          <p:cNvPr id="5" name="图片 4">
+            <a:extLst>
+              <a:ext uri="{FF2B5EF4-FFF2-40B4-BE49-F238E27FC236}">
+                <a16:creationId xmlns:a16="http://schemas.microsoft.com/office/drawing/2014/main" id="{5CC2614B-873D-256A-395D-2A8915AA8F59}"/>
+              </a:ext>
+            </a:extLst>
+          </p:cNvPr>
+          <p:cNvPicPr>
+            <a:picLocks noChangeAspect="1"/>
+          </p:cNvPicPr>
+          <p:nvPr/>
+        </p:nvPicPr>
+        <p:blipFill>
+          <a:blip r:embed="rId2"/>
+          <a:stretch>
+            <a:fillRect/>
+          </a:stretch>
+        </p:blipFill>
+        <p:spPr>
+          <a:xfrm>
+            <a:off x="183999" y="2522066"/>
+            <a:ext cx="1879643" cy="3150470"/>
+          </a:xfrm>
+          <a:prstGeom prst="rect">
+            <a:avLst/>
+          </a:prstGeom>
+        </p:spPr>
+      </p:pic>
+      <p:pic>
+        <p:nvPicPr>
+          <p:cNvPr id="7" name="图片 6">
+            <a:extLst>
+              <a:ext uri="{FF2B5EF4-FFF2-40B4-BE49-F238E27FC236}">
+                <a16:creationId xmlns:a16="http://schemas.microsoft.com/office/drawing/2014/main" id="{CAF116B2-FA71-E9A1-D749-22454DDD1CDF}"/>
+              </a:ext>
+            </a:extLst>
+          </p:cNvPr>
+          <p:cNvPicPr>
+            <a:picLocks noChangeAspect="1"/>
+          </p:cNvPicPr>
+          <p:nvPr/>
+        </p:nvPicPr>
+        <p:blipFill>
+          <a:blip r:embed="rId3"/>
+          <a:stretch>
+            <a:fillRect/>
+          </a:stretch>
+        </p:blipFill>
+        <p:spPr>
+          <a:xfrm>
+            <a:off x="2387962" y="2384526"/>
+            <a:ext cx="1537029" cy="3425550"/>
+          </a:xfrm>
+          <a:prstGeom prst="rect">
+            <a:avLst/>
+          </a:prstGeom>
+        </p:spPr>
+      </p:pic>
+      <p:pic>
+        <p:nvPicPr>
+          <p:cNvPr id="9" name="图片 8">
+            <a:extLst>
+              <a:ext uri="{FF2B5EF4-FFF2-40B4-BE49-F238E27FC236}">
+                <a16:creationId xmlns:a16="http://schemas.microsoft.com/office/drawing/2014/main" id="{AB5AC389-F83A-F307-1DE7-41809187ECC7}"/>
+              </a:ext>
+            </a:extLst>
+          </p:cNvPr>
+          <p:cNvPicPr>
+            <a:picLocks noChangeAspect="1"/>
+          </p:cNvPicPr>
+          <p:nvPr/>
+        </p:nvPicPr>
+        <p:blipFill>
+          <a:blip r:embed="rId4"/>
+          <a:stretch>
+            <a:fillRect/>
+          </a:stretch>
+        </p:blipFill>
+        <p:spPr>
+          <a:xfrm>
+            <a:off x="4249311" y="2930825"/>
+            <a:ext cx="1903203" cy="2126289"/>
+          </a:xfrm>
+          <a:prstGeom prst="rect">
+            <a:avLst/>
+          </a:prstGeom>
+        </p:spPr>
+      </p:pic>
+      <p:sp>
+        <p:nvSpPr>
+          <p:cNvPr id="11" name="文本框 10">
+            <a:extLst>
+              <a:ext uri="{FF2B5EF4-FFF2-40B4-BE49-F238E27FC236}">
+                <a16:creationId xmlns:a16="http://schemas.microsoft.com/office/drawing/2014/main" id="{D52D7CC6-265B-C8EF-53F5-5C3B684C71AC}"/>
+              </a:ext>
+            </a:extLst>
+          </p:cNvPr>
+          <p:cNvSpPr txBox="1"/>
+          <p:nvPr/>
+        </p:nvSpPr>
+        <p:spPr>
+          <a:xfrm>
+            <a:off x="6476834" y="2522066"/>
+            <a:ext cx="5379720" cy="1754326"/>
+          </a:xfrm>
+          <a:prstGeom prst="rect">
+            <a:avLst/>
+          </a:prstGeom>
+          <a:noFill/>
+        </p:spPr>
+        <p:txBody>
+          <a:bodyPr wrap="square" rtlCol="0">
+            <a:spAutoFit/>
+          </a:bodyPr>
+          <a:lstStyle/>
+          <a:p>
+            <a:r>
+              <a:rPr lang="zh-CN" altLang="en-US" dirty="0"/>
+              <a:t>白线：原本的</a:t>
+            </a:r>
+            <a:r>
+              <a:rPr lang="en-US" altLang="zh-CN" dirty="0" err="1"/>
+              <a:t>geomstats_aligned_to_frechet.npy</a:t>
+            </a:r>
+            <a:r>
+              <a:rPr lang="en-US" altLang="zh-CN" dirty="0"/>
+              <a:t> </a:t>
+            </a:r>
+            <a:r>
+              <a:rPr lang="zh-CN" altLang="en-US" dirty="0"/>
+              <a:t>里面的（我没动过）</a:t>
+            </a:r>
+            <a:endParaRPr lang="en-US" altLang="zh-CN" dirty="0"/>
+          </a:p>
+          <a:p>
+            <a:endParaRPr lang="en-US" altLang="zh-CN" dirty="0"/>
+          </a:p>
+          <a:p>
+            <a:r>
+              <a:rPr lang="zh-CN" altLang="en-US" dirty="0">
+                <a:solidFill>
+                  <a:srgbClr val="FF0000"/>
+                </a:solidFill>
+              </a:rPr>
+              <a:t>红线：</a:t>
+            </a:r>
+            <a:r>
+              <a:rPr lang="en-US" altLang="zh-CN" dirty="0">
+                <a:solidFill>
+                  <a:srgbClr val="FF0000"/>
+                </a:solidFill>
+              </a:rPr>
+              <a:t> </a:t>
+            </a:r>
+            <a:r>
+              <a:rPr lang="en-US" altLang="zh-CN" dirty="0" err="1">
+                <a:solidFill>
+                  <a:srgbClr val="FF0000"/>
+                </a:solidFill>
+              </a:rPr>
+              <a:t>brava_reshaped_normed_mean_curve.vtk</a:t>
+            </a:r>
+            <a:endParaRPr lang="en-US" altLang="zh-CN" dirty="0">
+              <a:solidFill>
+                <a:srgbClr val="FF0000"/>
+              </a:solidFill>
+            </a:endParaRPr>
+          </a:p>
+          <a:p>
+            <a:r>
+              <a:rPr lang="en-US" altLang="zh-CN" dirty="0"/>
+              <a:t>Brava</a:t>
+            </a:r>
+            <a:r>
+              <a:rPr lang="zh-CN" altLang="en-US" dirty="0"/>
+              <a:t>的简单平均形状（非</a:t>
+            </a:r>
+            <a:r>
+              <a:rPr lang="en-US" altLang="zh-CN" dirty="0" err="1"/>
+              <a:t>Frechét</a:t>
+            </a:r>
+            <a:r>
+              <a:rPr lang="en-US" altLang="zh-CN" dirty="0"/>
+              <a:t> </a:t>
+            </a:r>
+            <a:r>
+              <a:rPr lang="zh-CN" altLang="en-US" dirty="0"/>
+              <a:t>平均），重参数化和重采样</a:t>
+            </a:r>
+            <a:r>
+              <a:rPr lang="en-US" altLang="zh-CN" dirty="0"/>
+              <a:t>,</a:t>
+            </a:r>
+            <a:r>
+              <a:rPr lang="zh-CN" altLang="en-US" dirty="0"/>
+              <a:t>神奇</a:t>
+            </a:r>
+            <a:r>
+              <a:rPr lang="en-US" altLang="zh-CN" dirty="0" err="1"/>
+              <a:t>geomstats</a:t>
+            </a:r>
+            <a:r>
+              <a:rPr lang="zh-CN" altLang="en-US" dirty="0"/>
+              <a:t>库缩放归一化后的血管形状</a:t>
+            </a:r>
+            <a:endParaRPr lang="zh-CN" altLang="en-US" dirty="0">
+              <a:solidFill>
+                <a:srgbClr val="FF0000"/>
+              </a:solidFill>
+            </a:endParaRPr>
+          </a:p>
+        </p:txBody>
+      </p:sp>
+      <p:sp>
+        <p:nvSpPr>
+          <p:cNvPr id="4" name="文本框 3">
+            <a:extLst>
+              <a:ext uri="{FF2B5EF4-FFF2-40B4-BE49-F238E27FC236}">
+                <a16:creationId xmlns:a16="http://schemas.microsoft.com/office/drawing/2014/main" id="{23AD19B5-488E-5ACE-9CCC-9BAE13B292B7}"/>
+              </a:ext>
+            </a:extLst>
+          </p:cNvPr>
+          <p:cNvSpPr txBox="1"/>
+          <p:nvPr/>
+        </p:nvSpPr>
+        <p:spPr>
+          <a:xfrm>
+            <a:off x="7042068" y="4797631"/>
+            <a:ext cx="3336966" cy="369332"/>
+          </a:xfrm>
+          <a:prstGeom prst="rect">
+            <a:avLst/>
+          </a:prstGeom>
+          <a:noFill/>
+        </p:spPr>
+        <p:txBody>
+          <a:bodyPr wrap="square" rtlCol="0">
+            <a:spAutoFit/>
+          </a:bodyPr>
+          <a:lstStyle/>
+          <a:p>
+            <a:r>
+              <a:rPr lang="zh-CN" altLang="en-US" dirty="0"/>
+              <a:t>它俩看起来长度差不多</a:t>
+            </a:r>
+          </a:p>
+        </p:txBody>
+      </p:sp>
+    </p:spTree>
+    <p:extLst>
+      <p:ext uri="{BB962C8B-B14F-4D97-AF65-F5344CB8AC3E}">
+        <p14:creationId xmlns:p14="http://schemas.microsoft.com/office/powerpoint/2010/main" val="2894019076"/>
+      </p:ext>
+    </p:extLst>
+  </p:cSld>
+  <p:clrMapOvr>
+    <a:masterClrMapping/>
+  </p:clrMapOvr>
+</p:sld>
+</file>
+
+<file path=ppt/slides/slide8.xml><?xml version="1.0" encoding="utf-8"?>
+<p:sld xmlns:a="http://schemas.openxmlformats.org/drawingml/2006/main" xmlns:r="http://schemas.openxmlformats.org/officeDocument/2006/relationships" xmlns:p="http://schemas.openxmlformats.org/presentationml/2006/main">
+  <p:cSld>
+    <p:spTree>
+      <p:nvGrpSpPr>
+        <p:cNvPr id="1" name=""/>
+        <p:cNvGrpSpPr/>
+        <p:nvPr/>
+      </p:nvGrpSpPr>
+      <p:grpSpPr>
+        <a:xfrm>
+          <a:off x="0" y="0"/>
+          <a:ext cx="0" cy="0"/>
+          <a:chOff x="0" y="0"/>
+          <a:chExt cx="0" cy="0"/>
+        </a:xfrm>
+      </p:grpSpPr>
+      <p:pic>
+        <p:nvPicPr>
+          <p:cNvPr id="3" name="图片 2">
+            <a:extLst>
+              <a:ext uri="{FF2B5EF4-FFF2-40B4-BE49-F238E27FC236}">
+                <a16:creationId xmlns:a16="http://schemas.microsoft.com/office/drawing/2014/main" id="{3B2E463E-34A5-BFD0-142D-50B3EC5E5EF5}"/>
+              </a:ext>
+            </a:extLst>
+          </p:cNvPr>
+          <p:cNvPicPr>
+            <a:picLocks noChangeAspect="1"/>
+          </p:cNvPicPr>
+          <p:nvPr/>
+        </p:nvPicPr>
+        <p:blipFill>
+          <a:blip r:embed="rId2"/>
+          <a:stretch>
+            <a:fillRect/>
+          </a:stretch>
+        </p:blipFill>
+        <p:spPr>
+          <a:xfrm>
+            <a:off x="804986" y="2030680"/>
+            <a:ext cx="2585498" cy="4200463"/>
+          </a:xfrm>
+          <a:prstGeom prst="rect">
+            <a:avLst/>
+          </a:prstGeom>
+        </p:spPr>
+      </p:pic>
+      <p:sp>
+        <p:nvSpPr>
+          <p:cNvPr id="4" name="文本框 3">
+            <a:extLst>
+              <a:ext uri="{FF2B5EF4-FFF2-40B4-BE49-F238E27FC236}">
+                <a16:creationId xmlns:a16="http://schemas.microsoft.com/office/drawing/2014/main" id="{F79B03EA-82E6-01B0-C027-42CEA17B0387}"/>
+              </a:ext>
+            </a:extLst>
+          </p:cNvPr>
+          <p:cNvSpPr txBox="1"/>
+          <p:nvPr/>
+        </p:nvSpPr>
+        <p:spPr>
+          <a:xfrm>
+            <a:off x="541020" y="777240"/>
+            <a:ext cx="11109960" cy="923330"/>
+          </a:xfrm>
+          <a:prstGeom prst="rect">
+            <a:avLst/>
+          </a:prstGeom>
+          <a:noFill/>
+        </p:spPr>
+        <p:txBody>
+          <a:bodyPr wrap="square" rtlCol="0">
+            <a:spAutoFit/>
+          </a:bodyPr>
+          <a:lstStyle/>
+          <a:p>
+            <a:r>
+              <a:rPr lang="zh-CN" altLang="en-US" dirty="0"/>
+              <a:t>然后试图输出</a:t>
+            </a:r>
+            <a:r>
+              <a:rPr lang="en-US" altLang="zh-CN" dirty="0" err="1"/>
+              <a:t>FrechetMean</a:t>
+            </a:r>
+            <a:r>
+              <a:rPr lang="zh-CN" altLang="en-US" dirty="0"/>
+              <a:t>的形状（橙色的）</a:t>
+            </a:r>
+            <a:endParaRPr lang="en-US" altLang="zh-CN" dirty="0"/>
+          </a:p>
+          <a:p>
+            <a:endParaRPr lang="en-US" altLang="zh-CN" dirty="0"/>
+          </a:p>
+          <a:p>
+            <a:r>
+              <a:rPr lang="zh-CN" altLang="en-US" dirty="0"/>
+              <a:t>为什么和简单平均（红色的）比就变短了？</a:t>
+            </a:r>
+            <a:endParaRPr lang="en-US" altLang="zh-CN" dirty="0"/>
+          </a:p>
+        </p:txBody>
+      </p:sp>
+    </p:spTree>
+    <p:extLst>
+      <p:ext uri="{BB962C8B-B14F-4D97-AF65-F5344CB8AC3E}">
+        <p14:creationId xmlns:p14="http://schemas.microsoft.com/office/powerpoint/2010/main" val="252112265"/>
+      </p:ext>
+    </p:extLst>
+  </p:cSld>
+  <p:clrMapOvr>
+    <a:masterClrMapping/>
+  </p:clrMapOvr>
+</p:sld>
+</file>
+
+<file path=ppt/slides/slide9.xml><?xml version="1.0" encoding="utf-8"?>
+<p:sld xmlns:a="http://schemas.openxmlformats.org/drawingml/2006/main" xmlns:r="http://schemas.openxmlformats.org/officeDocument/2006/relationships" xmlns:p="http://schemas.openxmlformats.org/presentationml/2006/main">
+  <p:cSld>
+    <p:spTree>
+      <p:nvGrpSpPr>
+        <p:cNvPr id="1" name=""/>
+        <p:cNvGrpSpPr/>
+        <p:nvPr/>
+      </p:nvGrpSpPr>
+      <p:grpSpPr>
+        <a:xfrm>
+          <a:off x="0" y="0"/>
+          <a:ext cx="0" cy="0"/>
+          <a:chOff x="0" y="0"/>
+          <a:chExt cx="0" cy="0"/>
+        </a:xfrm>
+      </p:grpSpPr>
+      <p:sp>
+        <p:nvSpPr>
+          <p:cNvPr id="2" name="文本框 1">
+            <a:extLst>
+              <a:ext uri="{FF2B5EF4-FFF2-40B4-BE49-F238E27FC236}">
+                <a16:creationId xmlns:a16="http://schemas.microsoft.com/office/drawing/2014/main" id="{E9FFF82B-96F5-B22E-87DA-374ECCA3890E}"/>
+              </a:ext>
+            </a:extLst>
+          </p:cNvPr>
+          <p:cNvSpPr txBox="1"/>
+          <p:nvPr/>
+        </p:nvSpPr>
+        <p:spPr>
+          <a:xfrm>
+            <a:off x="541020" y="777240"/>
+            <a:ext cx="11109960" cy="1477328"/>
+          </a:xfrm>
+          <a:prstGeom prst="rect">
+            <a:avLst/>
+          </a:prstGeom>
+          <a:noFill/>
+        </p:spPr>
+        <p:txBody>
+          <a:bodyPr wrap="square" rtlCol="0">
+            <a:spAutoFit/>
+          </a:bodyPr>
+          <a:lstStyle/>
+          <a:p>
+            <a:r>
+              <a:rPr lang="zh-CN" altLang="en-US" dirty="0"/>
+              <a:t>现在的问题是</a:t>
+            </a:r>
+            <a:endParaRPr lang="en-US" altLang="zh-CN" dirty="0"/>
+          </a:p>
+          <a:p>
+            <a:r>
+              <a:rPr lang="en-US" altLang="zh-CN" dirty="0" err="1"/>
+              <a:t>curve_b_aligned</a:t>
+            </a:r>
+            <a:r>
+              <a:rPr lang="en-US" altLang="zh-CN" dirty="0"/>
+              <a:t> = curves_r3.fiber_bundle.align(</a:t>
+            </a:r>
+            <a:r>
+              <a:rPr lang="en-US" altLang="zh-CN" dirty="0" err="1"/>
+              <a:t>curve_b</a:t>
+            </a:r>
+            <a:r>
+              <a:rPr lang="en-US" altLang="zh-CN" dirty="0"/>
+              <a:t>, reference)</a:t>
+            </a:r>
+          </a:p>
+          <a:p>
+            <a:endParaRPr lang="en-US" altLang="zh-CN" dirty="0"/>
+          </a:p>
+          <a:p>
+            <a:r>
+              <a:rPr lang="zh-CN" altLang="en-US" dirty="0"/>
+              <a:t>之后，</a:t>
+            </a:r>
+            <a:r>
+              <a:rPr lang="en-US" altLang="zh-CN" dirty="0"/>
+              <a:t> </a:t>
+            </a:r>
+            <a:r>
+              <a:rPr lang="en-US" altLang="zh-CN" dirty="0" err="1"/>
+              <a:t>curve_b_aligned</a:t>
+            </a:r>
+            <a:r>
+              <a:rPr lang="en-US" altLang="zh-CN" dirty="0"/>
+              <a:t>  </a:t>
+            </a:r>
+            <a:r>
+              <a:rPr lang="zh-CN" altLang="en-US" dirty="0"/>
+              <a:t>确实有变化，但是长得也不那么像</a:t>
+            </a:r>
+            <a:r>
+              <a:rPr lang="en-US" altLang="zh-CN" dirty="0"/>
+              <a:t>reference</a:t>
+            </a:r>
+            <a:r>
+              <a:rPr lang="zh-CN" altLang="en-US" dirty="0"/>
+              <a:t>啊 （</a:t>
+            </a:r>
+            <a:r>
+              <a:rPr lang="en-US" altLang="zh-CN" dirty="0"/>
+              <a:t>reference </a:t>
+            </a:r>
+            <a:r>
+              <a:rPr lang="zh-CN" altLang="en-US" dirty="0"/>
+              <a:t>目前只使用了简单平均的</a:t>
+            </a:r>
+            <a:r>
+              <a:rPr lang="en-US" altLang="zh-CN" dirty="0"/>
+              <a:t>brava</a:t>
+            </a:r>
+            <a:r>
+              <a:rPr lang="zh-CN" altLang="en-US" dirty="0"/>
+              <a:t>）</a:t>
+            </a:r>
+            <a:endParaRPr lang="en-US" altLang="zh-CN" dirty="0"/>
+          </a:p>
+        </p:txBody>
+      </p:sp>
+      <p:pic>
+        <p:nvPicPr>
+          <p:cNvPr id="4" name="图片 3">
+            <a:extLst>
+              <a:ext uri="{FF2B5EF4-FFF2-40B4-BE49-F238E27FC236}">
+                <a16:creationId xmlns:a16="http://schemas.microsoft.com/office/drawing/2014/main" id="{F319D3B5-7C77-AA61-8888-B8724D4DABF8}"/>
+              </a:ext>
+            </a:extLst>
+          </p:cNvPr>
+          <p:cNvPicPr>
+            <a:picLocks noChangeAspect="1"/>
+          </p:cNvPicPr>
+          <p:nvPr/>
+        </p:nvPicPr>
+        <p:blipFill>
+          <a:blip r:embed="rId2"/>
+          <a:stretch>
+            <a:fillRect/>
+          </a:stretch>
+        </p:blipFill>
+        <p:spPr>
+          <a:xfrm>
+            <a:off x="409031" y="2773680"/>
+            <a:ext cx="1893384" cy="3810000"/>
+          </a:xfrm>
+          <a:prstGeom prst="rect">
+            <a:avLst/>
+          </a:prstGeom>
+        </p:spPr>
+      </p:pic>
+      <p:sp>
+        <p:nvSpPr>
+          <p:cNvPr id="5" name="文本框 4">
+            <a:extLst>
+              <a:ext uri="{FF2B5EF4-FFF2-40B4-BE49-F238E27FC236}">
+                <a16:creationId xmlns:a16="http://schemas.microsoft.com/office/drawing/2014/main" id="{D06F7C40-0FF7-E3A5-E8CA-08BF493F3D16}"/>
+              </a:ext>
+            </a:extLst>
+          </p:cNvPr>
+          <p:cNvSpPr txBox="1"/>
+          <p:nvPr/>
+        </p:nvSpPr>
+        <p:spPr>
+          <a:xfrm>
+            <a:off x="2758439" y="3718560"/>
+            <a:ext cx="3238599" cy="1477328"/>
+          </a:xfrm>
+          <a:prstGeom prst="rect">
+            <a:avLst/>
+          </a:prstGeom>
+          <a:noFill/>
+        </p:spPr>
+        <p:txBody>
+          <a:bodyPr wrap="square" rtlCol="0">
+            <a:spAutoFit/>
+          </a:bodyPr>
+          <a:lstStyle/>
+          <a:p>
+            <a:r>
+              <a:rPr lang="zh-CN" altLang="en-US" dirty="0"/>
+              <a:t>用</a:t>
+            </a:r>
+            <a:r>
+              <a:rPr lang="en-US" altLang="zh-CN" dirty="0"/>
+              <a:t>brava</a:t>
+            </a:r>
+            <a:r>
+              <a:rPr lang="zh-CN" altLang="en-US" dirty="0"/>
+              <a:t>里面比较标准的</a:t>
+            </a:r>
+            <a:r>
+              <a:rPr lang="en-US" altLang="zh-CN" dirty="0"/>
+              <a:t>17</a:t>
+            </a:r>
+            <a:r>
+              <a:rPr lang="zh-CN" altLang="en-US" dirty="0"/>
+              <a:t>和</a:t>
+            </a:r>
+            <a:r>
+              <a:rPr lang="en-US" altLang="zh-CN" dirty="0"/>
+              <a:t>brava </a:t>
+            </a:r>
+            <a:r>
+              <a:rPr lang="zh-CN" altLang="en-US" dirty="0"/>
+              <a:t>简单平均的比较</a:t>
+            </a:r>
+            <a:endParaRPr lang="en-US" altLang="zh-CN" dirty="0"/>
+          </a:p>
+          <a:p>
+            <a:endParaRPr lang="en-US" altLang="zh-CN" dirty="0"/>
+          </a:p>
+          <a:p>
+            <a:r>
+              <a:rPr lang="zh-CN" altLang="en-US" dirty="0"/>
+              <a:t>红色：简单平均的</a:t>
+            </a:r>
+            <a:r>
+              <a:rPr lang="en-US" altLang="zh-CN" dirty="0"/>
+              <a:t>brava</a:t>
+            </a:r>
+          </a:p>
+          <a:p>
+            <a:r>
+              <a:rPr lang="zh-CN" altLang="en-US" dirty="0"/>
+              <a:t>绿色是对齐后的</a:t>
+            </a:r>
+          </a:p>
+        </p:txBody>
+      </p:sp>
+      <p:pic>
+        <p:nvPicPr>
+          <p:cNvPr id="7" name="图片 6">
+            <a:extLst>
+              <a:ext uri="{FF2B5EF4-FFF2-40B4-BE49-F238E27FC236}">
+                <a16:creationId xmlns:a16="http://schemas.microsoft.com/office/drawing/2014/main" id="{D4993902-ECE5-282B-B4F0-2566493EAD03}"/>
+              </a:ext>
+            </a:extLst>
+          </p:cNvPr>
+          <p:cNvPicPr>
+            <a:picLocks noChangeAspect="1"/>
+          </p:cNvPicPr>
+          <p:nvPr/>
+        </p:nvPicPr>
+        <p:blipFill>
+          <a:blip r:embed="rId3"/>
+          <a:stretch>
+            <a:fillRect/>
+          </a:stretch>
+        </p:blipFill>
+        <p:spPr>
+          <a:xfrm>
+            <a:off x="6995161" y="2918257"/>
+            <a:ext cx="2057400" cy="3259646"/>
+          </a:xfrm>
+          <a:prstGeom prst="rect">
+            <a:avLst/>
+          </a:prstGeom>
+        </p:spPr>
+      </p:pic>
+      <p:sp>
+        <p:nvSpPr>
+          <p:cNvPr id="8" name="文本框 7">
+            <a:extLst>
+              <a:ext uri="{FF2B5EF4-FFF2-40B4-BE49-F238E27FC236}">
+                <a16:creationId xmlns:a16="http://schemas.microsoft.com/office/drawing/2014/main" id="{8A609089-0AC2-3729-5763-2BCCD98C98F6}"/>
+              </a:ext>
+            </a:extLst>
+          </p:cNvPr>
+          <p:cNvSpPr txBox="1"/>
+          <p:nvPr/>
+        </p:nvSpPr>
+        <p:spPr>
+          <a:xfrm>
+            <a:off x="9070249" y="3118395"/>
+            <a:ext cx="2712720" cy="1754326"/>
+          </a:xfrm>
+          <a:prstGeom prst="rect">
+            <a:avLst/>
+          </a:prstGeom>
+          <a:noFill/>
+        </p:spPr>
+        <p:txBody>
+          <a:bodyPr wrap="square" rtlCol="0">
+            <a:spAutoFit/>
+          </a:bodyPr>
+          <a:lstStyle/>
+          <a:p>
+            <a:r>
+              <a:rPr lang="en-US" altLang="zh-CN" dirty="0" err="1"/>
+              <a:t>Aneurisk</a:t>
+            </a:r>
+            <a:r>
+              <a:rPr lang="zh-CN" altLang="en-US" dirty="0"/>
+              <a:t>更离谱</a:t>
+            </a:r>
+            <a:endParaRPr lang="en-US" altLang="zh-CN" dirty="0"/>
+          </a:p>
+          <a:p>
+            <a:r>
+              <a:rPr lang="zh-CN" altLang="en-US" dirty="0"/>
+              <a:t>用</a:t>
+            </a:r>
+            <a:r>
+              <a:rPr lang="en-US" altLang="zh-CN" dirty="0"/>
+              <a:t>aneurisk0</a:t>
+            </a:r>
+            <a:r>
+              <a:rPr lang="zh-CN" altLang="en-US" dirty="0"/>
+              <a:t>对齐后感觉是镜像了</a:t>
+            </a:r>
+            <a:endParaRPr lang="en-US" altLang="zh-CN" dirty="0"/>
+          </a:p>
+          <a:p>
+            <a:endParaRPr lang="en-US" altLang="zh-CN" dirty="0"/>
+          </a:p>
+          <a:p>
+            <a:r>
+              <a:rPr lang="zh-CN" altLang="en-US" dirty="0"/>
+              <a:t>红色：简单平均的</a:t>
+            </a:r>
+            <a:r>
+              <a:rPr lang="en-US" altLang="zh-CN" dirty="0"/>
+              <a:t>brava</a:t>
+            </a:r>
+          </a:p>
+          <a:p>
+            <a:r>
+              <a:rPr lang="zh-CN" altLang="en-US" dirty="0"/>
+              <a:t>绿色是对齐后的</a:t>
+            </a:r>
+          </a:p>
+        </p:txBody>
+      </p:sp>
+      <p:sp>
+        <p:nvSpPr>
+          <p:cNvPr id="3" name="文本框 2">
+            <a:extLst>
+              <a:ext uri="{FF2B5EF4-FFF2-40B4-BE49-F238E27FC236}">
+                <a16:creationId xmlns:a16="http://schemas.microsoft.com/office/drawing/2014/main" id="{B602E5F2-954D-67FD-8A56-64213B99F6DA}"/>
+              </a:ext>
+            </a:extLst>
+          </p:cNvPr>
+          <p:cNvSpPr txBox="1"/>
+          <p:nvPr/>
+        </p:nvSpPr>
+        <p:spPr>
+          <a:xfrm>
+            <a:off x="2995946" y="2109359"/>
+            <a:ext cx="5818909" cy="338554"/>
+          </a:xfrm>
+          <a:prstGeom prst="rect">
+            <a:avLst/>
+          </a:prstGeom>
+          <a:noFill/>
+        </p:spPr>
+        <p:txBody>
+          <a:bodyPr wrap="square" rtlCol="0">
+            <a:spAutoFit/>
+          </a:bodyPr>
+          <a:lstStyle/>
+          <a:p>
+            <a:r>
+              <a:rPr lang="zh-CN" altLang="en-US" sz="1600" dirty="0"/>
+              <a:t>（是这个曲线对齐就是这效果嘛？还是我哪搞错了。。</a:t>
+            </a:r>
+          </a:p>
+        </p:txBody>
+      </p:sp>
+    </p:spTree>
+    <p:extLst>
+      <p:ext uri="{BB962C8B-B14F-4D97-AF65-F5344CB8AC3E}">
+        <p14:creationId xmlns:p14="http://schemas.microsoft.com/office/powerpoint/2010/main" val="874652502"/>
       </p:ext>
     </p:extLst>
   </p:cSld>
